--- a/Term1/Machine Vision/lectures/02_Introduction_To_Probability.pptx
+++ b/Term1/Machine Vision/lectures/02_Introduction_To_Probability.pptx
@@ -242,7 +242,7 @@
             <a:fld id="{E27A64A5-6236-4A3D-959D-D6AAF9A58727}" type="datetimeFigureOut">
               <a:rPr lang="en-US" smtClean="0"/>
               <a:pPr/>
-              <a:t>10/5/2023</a:t>
+              <a:t>4/25/2024</a:t>
             </a:fld>
             <a:endParaRPr lang="en-GB"/>
           </a:p>
@@ -324,6 +324,262 @@
   </p:cSld>
   <p:clrMap bg1="lt1" tx1="dk1" bg2="lt2" tx2="dk2" accent1="accent1" accent2="accent2" accent3="accent3" accent4="accent4" accent5="accent5" accent6="accent6" hlink="hlink" folHlink="folHlink"/>
 </p:handoutMaster>
+</file>
+
+<file path=ppt/ink/ink1.xml><?xml version="1.0" encoding="utf-8"?>
+<inkml:ink xmlns:inkml="http://www.w3.org/2003/InkML">
+  <inkml:definitions>
+    <inkml:context xml:id="ctx0">
+      <inkml:inkSource xml:id="inkSrc0">
+        <inkml:traceFormat>
+          <inkml:channel name="X" type="integer" min="-2.14748E9" max="2.14748E9" units="cm"/>
+          <inkml:channel name="Y" type="integer" min="-2.14748E9" max="2.14748E9" units="cm"/>
+          <inkml:channel name="F" type="integer" max="32767" units="dev"/>
+          <inkml:channel name="OA" type="integer" max="360" units="deg"/>
+          <inkml:channel name="OE" type="integer" max="90" units="deg"/>
+        </inkml:traceFormat>
+        <inkml:channelProperties>
+          <inkml:channelProperty channel="X" name="resolution" value="1000" units="1/cm"/>
+          <inkml:channelProperty channel="Y" name="resolution" value="1000" units="1/cm"/>
+          <inkml:channelProperty channel="F" name="resolution" value="0" units="1/dev"/>
+          <inkml:channelProperty channel="OA" name="resolution" value="1000" units="1/deg"/>
+          <inkml:channelProperty channel="OE" name="resolution" value="1000" units="1/deg"/>
+        </inkml:channelProperties>
+      </inkml:inkSource>
+      <inkml:timestamp xml:id="ts0" timeString="2024-04-25T18:10:18.704"/>
+    </inkml:context>
+    <inkml:brush xml:id="br0">
+      <inkml:brushProperty name="width" value="0.05" units="cm"/>
+      <inkml:brushProperty name="height" value="0.05" units="cm"/>
+      <inkml:brushProperty name="color" value="#004F8B"/>
+    </inkml:brush>
+  </inkml:definitions>
+  <inkml:trace contextRef="#ctx0" brushRef="#br0">1791 418 3679 0 0,'-14'-6'88'0'0,"10"4"-68"0"0,1 1-1 0 0,-1-1 1 0 0,1 1-1 0 0,-1 0 1 0 0,0 0 0 0 0,0 0-1 0 0,1 1 1 0 0,-1-1-1 0 0,0 1 1 0 0,0 0-1 0 0,0 0 1 0 0,0 0 0 0 0,1 1-1 0 0,-5 0 1 0 0,-174 31 2940 0 0,-61 13 338 0 0,111-15-1049 0 0,-79 21 390 0 0,37-9-895 0 0,110-25-1120 0 0,-111 36 222 0 0,160-47-728 0 0,-124 50 1025 0 0,104-40-519 0 0,-62 40 1 0 0,69-37-419 0 0,1 1 1 0 0,1 1-1 0 0,1 2 0 0 0,-25 29 0 0 0,39-40-107 0 0,1 1 0 0 0,0 1-1 0 0,1-1 1 0 0,1 2-1 0 0,0-1 1 0 0,1 1 0 0 0,0 0-1 0 0,1 0 1 0 0,1 1 0 0 0,-5 25-1 0 0,9-28-82 0 0,0-1 0 0 0,1 1 0 0 0,0-1 0 0 0,1 1 0 0 0,0-1 0 0 0,1 1 0 0 0,4 12 0 0 0,29 84 0 0 0,-29-92 13 0 0,5 11 62 0 0,1-1 0 0 0,2 0 0 0 0,0-1 0 0 0,2 0 0 0 0,0-2 0 0 0,2 0 0 0 0,29 31 0 0 0,-29-37 34 0 0,1 0 0 0 0,1-2 0 0 0,0 0 0 0 0,1-1 0 0 0,1-1 0 0 0,0-1 1 0 0,1-1-1 0 0,45 17 0 0 0,8-3 105 0 0,106 20 1 0 0,-12-9 113 0 0,124 22 447 0 0,-233-47-641 0 0,58 9 116 0 0,-48-11-162 0 0,269 27 545 0 0,-314-36-605 0 0,217 7 577 0 0,319 17 818 0 0,-42-26-970 0 0,-207-7-322 0 0,-265 8-116 0 0,486 6 890 0 0,-134 4-93 0 0,83 2-457 0 0,-126 6-314 0 0,0-13-57 0 0,-124-4 0 0 0,166-5 0 0 0,-101-2 0 0 0,-269 6 0 0 0,447-4 0 0 0,-298 13 0 0 0,-30-1 0 0 0,-34-7 0 0 0,149 3 0 0 0,119-2 0 0 0,-196-4 0 0 0,-73 2 0 0 0,489-6 0 0 0,-81 3 0 0 0,-289 23 0 0 0,-2 18 0 0 0,-78-12 0 0 0,-16-3 0 0 0,225 31 0 0 0,162-8 0 0 0,-333-33 0 0 0,239 12 0 0 0,-88-16 0 0 0,80-21 0 0 0,-262 4 0 0 0,115-11 0 0 0,-172 10 0 0 0,50-1 0 0 0,187 11 0 0 0,267 29 0 0 0,-188-20 0 0 0,-398-10 0 0 0,161-1 0 0 0,6-6 0 0 0,45-3 0 0 0,-163 5 0 0 0,415-33 0 0 0,-175-13 0 0 0,-205 28 0 0 0,146-53 0 0 0,-78-1 0 0 0,-28 10 0 0 0,187-78 0 0 0,-251 105 0 0 0,-2-5 0 0 0,75-55 0 0 0,-95 57 0 0 0,104-77 0 0 0,-11-12 0 0 0,-136 116 0 0 0,0 0 0 0 0,0 0 0 0 0,-2-2 0 0 0,0 0 0 0 0,20-38 0 0 0,-29 49 0 0 0,-1-1 0 0 0,0 1 0 0 0,-1-1 0 0 0,0 0 0 0 0,0 1 0 0 0,0-1 0 0 0,-1 0 0 0 0,0 0 0 0 0,-1 0 0 0 0,0 0 0 0 0,0 0 0 0 0,0-1 0 0 0,-1 1 0 0 0,0 1 0 0 0,-1-1 0 0 0,0 0 0 0 0,0 0 0 0 0,-1 0 0 0 0,-4-9 0 0 0,0 5 0 0 0,-1 0 0 0 0,0 0 0 0 0,0 1 0 0 0,-1 0 0 0 0,-1 1 0 0 0,1 0 0 0 0,-2 0 0 0 0,1 1 0 0 0,-23-15 0 0 0,-8-1 0 0 0,-68-30 0 0 0,61 32 0 0 0,-154-69 0 0 0,138 64 0 0 0,-102-32 0 0 0,-5 15 0 0 0,87 24 0 0 0,-430-87 0 0 0,438 94 0 0 0,-248-51 0 0 0,-56-10 0 0 0,146 30 0 0 0,-105-17 0 0 0,-287-23 0 0 0,626 85 0 0 0,-528-53 0 0 0,-619 3 0 0 0,802 52 0 0 0,77 0 0 0 0,-402 9 0 0 0,399-5 0 0 0,-453 22 0 0 0,492-17 0 0 0,-1881 25 0 0 0,1934-37 0 0 0,-974-18 0 0 0,308-6 0 0 0,153 13 0 0 0,453 10 0 0 0,-646 3 0 0 0,4 68 0 0 0,363 37-2111 0 0,11 36-4806 0 0,380-104-3279 0 0</inkml:trace>
+</inkml:ink>
+</file>
+
+<file path=ppt/ink/ink2.xml><?xml version="1.0" encoding="utf-8"?>
+<inkml:ink xmlns:inkml="http://www.w3.org/2003/InkML">
+  <inkml:definitions>
+    <inkml:context xml:id="ctx0">
+      <inkml:inkSource xml:id="inkSrc0">
+        <inkml:traceFormat>
+          <inkml:channel name="X" type="integer" min="-2.14748E9" max="2.14748E9" units="cm"/>
+          <inkml:channel name="Y" type="integer" min="-2.14748E9" max="2.14748E9" units="cm"/>
+          <inkml:channel name="F" type="integer" max="32767" units="dev"/>
+          <inkml:channel name="OA" type="integer" max="360" units="deg"/>
+          <inkml:channel name="OE" type="integer" max="90" units="deg"/>
+        </inkml:traceFormat>
+        <inkml:channelProperties>
+          <inkml:channelProperty channel="X" name="resolution" value="1000" units="1/cm"/>
+          <inkml:channelProperty channel="Y" name="resolution" value="1000" units="1/cm"/>
+          <inkml:channelProperty channel="F" name="resolution" value="0" units="1/dev"/>
+          <inkml:channelProperty channel="OA" name="resolution" value="1000" units="1/deg"/>
+          <inkml:channelProperty channel="OE" name="resolution" value="1000" units="1/deg"/>
+        </inkml:channelProperties>
+      </inkml:inkSource>
+      <inkml:timestamp xml:id="ts0" timeString="2024-04-25T18:10:21.076"/>
+    </inkml:context>
+    <inkml:brush xml:id="br0">
+      <inkml:brushProperty name="width" value="0.05" units="cm"/>
+      <inkml:brushProperty name="height" value="0.05" units="cm"/>
+      <inkml:brushProperty name="color" value="#004F8B"/>
+    </inkml:brush>
+  </inkml:definitions>
+  <inkml:trace contextRef="#ctx0" brushRef="#br0">1 345 3599 0 0,'21'13'260'0'0,"1"1"0"0"0,-2 2-1 0 0,27 24 1 0 0,30 23 1999 0 0,-49-44-1416 0 0,2-1 0 0 0,0-1 0 0 0,36 14 0 0 0,-43-23-248 0 0,1 0 0 0 0,-1-1 0 0 0,1-2 0 0 0,0 0 0 0 0,30 1 0 0 0,-34-5-140 0 0,1-1 0 0 0,0-1-1 0 0,39-7 1 0 0,-23 0 368 0 0,46-17-1 0 0,2-9 597 0 0,134-74 0 0 0,-208 102-1297 0 0,91-43 799 0 0,34-18 278 0 0,-62 22-498 0 0,2 3 1 0 0,86-33-1 0 0,-102 52-607 0 0,90-32 586 0 0,-130 49-595 0 0,1 1 1 0 0,0 0 0 0 0,0 2 0 0 0,0 1-1 0 0,30 0 1 0 0,-41 3 45 0 0,1 0-1 0 0,0 1 1 0 0,-1 0-1 0 0,1 1 1 0 0,-1 0-1 0 0,0 1 1 0 0,0 0 0 0 0,0 1-1 0 0,17 10 1 0 0,2 5 379 0 0,44 39-1 0 0,-69-56-490 0 0,58 57 620 0 0,-27-25-281 0 0,-20-21-249 0 0,1-1 0 0 0,0 0-1 0 0,0-1 1 0 0,1-1 0 0 0,1 0-1 0 0,-1-1 1 0 0,34 12 0 0 0,-42-19-70 0 0,1 0 0 0 0,0 0 0 0 0,1-1 0 0 0,-1 0 0 0 0,0-1 0 0 0,1 0 1 0 0,-1-1-1 0 0,0 0 0 0 0,1 0 0 0 0,-1-1 0 0 0,0-1 0 0 0,1 0 0 0 0,-1 0 1 0 0,0-1-1 0 0,0 0 0 0 0,17-9 0 0 0,-14 5 47 0 0,-1 0 1 0 0,0-1-1 0 0,0-1 0 0 0,13-12 1 0 0,39-44 473 0 0,-48 47-420 0 0,0 1 1 0 0,1 1 0 0 0,1 0 0 0 0,0 1-1 0 0,25-15 1 0 0,-26 21-116 0 0,0 1 1 0 0,0 0-1 0 0,1 1 0 0 0,0 1 1 0 0,22-4-1 0 0,-27 7-12 0 0,-1 2 0 0 0,0-1-1 0 0,1 2 1 0 0,-1-1 0 0 0,1 2 0 0 0,-1 0 0 0 0,0 0-1 0 0,1 1 1 0 0,12 4 0 0 0,-5 0-13 0 0,-1 0 0 0 0,0 1 0 0 0,0 2 0 0 0,-1-1 0 0 0,0 2 0 0 0,0 1 0 0 0,18 14 0 0 0,-33-22 0 0 0,0 0 0 0 0,0 1 0 0 0,0 0 0 0 0,0-1 0 0 0,4 9 0 0 0,-5-9 0 0 0,0 1 0 0 0,0 0 0 0 0,0-1 0 0 0,1 0 0 0 0,0 0 0 0 0,-1 0 0 0 0,1 0 0 0 0,4 3 0 0 0,0-2 0 0 0,0 0 0 0 0,0 0 0 0 0,9 2 0 0 0,16 8 0 0 0,-6-1 0 0 0,0-2 0 0 0,1 0 0 0 0,38 8 0 0 0,-36-6 0 0 0,-25-10 0 0 0,0-1 0 0 0,0 0 0 0 0,0 0 0 0 0,0-1 0 0 0,0 1 0 0 0,0-1 0 0 0,0 0 0 0 0,0 0 0 0 0,8 0 0 0 0,0-2 0 0 0,0-1 0 0 0,-1 0 0 0 0,16-5 0 0 0,1-1 0 0 0,-2 1 0 0 0,49-22 0 0 0,-57 21 0 0 0,-4 1 0 0 0,0-1 0 0 0,0 0 0 0 0,18-14 0 0 0,-2 0 0 0 0,1 1 0 0 0,42-20 0 0 0,-60 35 0 0 0,1 0 0 0 0,0 1 0 0 0,-1 1 0 0 0,2 0 0 0 0,-1 1 0 0 0,20-2 0 0 0,-16 4 0 0 0,1 1 0 0 0,-1 0 0 0 0,1 2 0 0 0,-1 0 0 0 0,1 1 0 0 0,-1 1 0 0 0,0 1 0 0 0,30 11 0 0 0,0 6 0 0 0,82 49 0 0 0,-83-37 0 0 0,-38-27 0 0 0,0 1 0 0 0,1-2 0 0 0,0 1 0 0 0,0-1 0 0 0,0-1 0 0 0,19 8 0 0 0,-9-7 0 0 0,-12-3 0 0 0,-1-1 0 0 0,1 0 0 0 0,0 0 0 0 0,0-1 0 0 0,-1 0 0 0 0,1 0 0 0 0,0-1 0 0 0,0 0 0 0 0,0 0 0 0 0,14-3 0 0 0,-9 2 0 0 0,0-1 0 0 0,0-1 0 0 0,0 0 0 0 0,-1-1 0 0 0,0 0 0 0 0,16-8 0 0 0,-3-1 0 0 0,3 0 0 0 0,9-8 0 0 0,-1-1 0 0 0,-1-2 0 0 0,37-32 0 0 0,42-30 0 0 0,-91 72 0 0 0,-13 8 0 0 0,1 0 0 0 0,-1 1 0 0 0,1 0 0 0 0,0 0 0 0 0,0 1 0 0 0,0 1 0 0 0,1 0 0 0 0,-1 1 0 0 0,1 0 0 0 0,22-1 0 0 0,-15 7 0 0 0,-7-1 0 0 0,0 1 0 0 0,-1 1 0 0 0,1 0 0 0 0,-1 0 0 0 0,0 1 0 0 0,0 1 0 0 0,-1 0 0 0 0,0 0 0 0 0,0 1 0 0 0,16 17 0 0 0,-11-8 0 0 0,-6-5 0 0 0,1 0 0 0 0,0-1 0 0 0,0-1 0 0 0,2 0 0 0 0,23 17 0 0 0,-32-24 0 0 0,1-1 0 0 0,0 0 0 0 0,0 0 0 0 0,0 0 0 0 0,0 0 0 0 0,0 0 0 0 0,5 0 0 0 0,1 1 0 0 0,18 3 0 0 0,-23-6 0 0 0,20 0 0 0 0,-19-1 0 0 0,-1-1 0 0 0,-1 1 0 0 0,0 0 0 0 0,0-1 0 0 0,0 1 0 0 0,0-1 0 0 0,-1 0 0 0 0,1 0 0 0 0,0 0 0 0 0,-1 0 0 0 0,0-1 0 0 0,1 1 0 0 0,2-4 0 0 0,0-1 0 0 0,0 0 0 0 0,0-1 0 0 0,6-13 0 0 0,-2 4 0 0 0,21-26 0 0 0,-28 39 0 0 0,14-9 0 0 0,-9 7 0 0 0,0 0 0 0 0,-3 2 0 0 0,0 1 0 0 0,1 0 0 0 0,-1 0 0 0 0,11-4 0 0 0,2-1 0 0 0,-1 5 0 0 0,-12 3 0 0 0,0 1 0 0 0,-1-1 0 0 0,1 1 0 0 0,-1 0 0 0 0,1 0 0 0 0,0 0 0 0 0,-1 0 0 0 0,0 1 0 0 0,1 0 0 0 0,-1 0 0 0 0,0 0 0 0 0,0 1 0 0 0,0-1 0 0 0,0 1 0 0 0,-1 0 0 0 0,1 0 0 0 0,-1 0 0 0 0,1 1 0 0 0,-1-1 0 0 0,4 7 0 0 0,1 2 0 0 0,0 0 0 0 0,-1 0 0 0 0,0 1 0 0 0,-1 0 0 0 0,6 21 0 0 0,-7-24 0 0 0,-1 0 0 0 0,1 0 0 0 0,12 16 0 0 0,4 9 0 0 0,-13-21 0 0 0,0 0 0 0 0,0 0 0 0 0,1-1 0 0 0,1 0 0 0 0,0-1 0 0 0,1 0 0 0 0,0-1 0 0 0,1 0 0 0 0,20 15 0 0 0,-24-22 0 0 0,0 0 0 0 0,1 0 0 0 0,0 0 0 0 0,0-1 0 0 0,0 0 0 0 0,0-1 0 0 0,0 0 0 0 0,0-1 0 0 0,12 1 0 0 0,-11-3 0 0 0,0 0 0 0 0,-1-1 0 0 0,13-4 0 0 0,-7 2 0 0 0,-6 1 0 0 0,0-1 0 0 0,0 0 0 0 0,0 0 0 0 0,0-1 0 0 0,-1 0 0 0 0,9-8 0 0 0,-1 2 0 0 0,-5 3 0 0 0,0-1 0 0 0,0 0 0 0 0,-1 0 0 0 0,15-20 0 0 0,31-48 0 0 0,-27 36 0 0 0,-8 12 0 0 0,37-39 0 0 0,-48 58 0 0 0,1 0 0 0 0,0 1 0 0 0,0 1 0 0 0,0-1 0 0 0,1 2 0 0 0,23-12 0 0 0,-22 14 0 0 0,0 0 0 0 0,1 0 0 0 0,-1 1 0 0 0,1 1 0 0 0,0 0 0 0 0,16-1 0 0 0,1 3 0 0 0,-14 1 0 0 0,-1 0 0 0 0,0 1 0 0 0,0 1 0 0 0,0 0 0 0 0,30 10 0 0 0,-35-8 0 0 0,1 1 0 0 0,-1 0 0 0 0,-1 0 0 0 0,1 1 0 0 0,-1 0 0 0 0,0 1 0 0 0,-1 0 0 0 0,16 15 0 0 0,46 55 0 0 0,-43-43 0 0 0,61 52 0 0 0,-74-75 0 0 0,2-1 0 0 0,-1 0 0 0 0,1-1 0 0 0,28 10 0 0 0,-34-15 0 0 0,1-1 0 0 0,-1 0 0 0 0,1 0 0 0 0,0-1 0 0 0,-1 0 0 0 0,1-1 0 0 0,0-1 0 0 0,0 0 0 0 0,0-1 0 0 0,0 0 0 0 0,0 0 0 0 0,0-1 0 0 0,14-5 0 0 0,-6 0 0 0 0,1-1 0 0 0,-1 0 0 0 0,0-2 0 0 0,-1 0 0 0 0,0-1 0 0 0,23-19 0 0 0,-9 7 0 0 0,0 0 0 0 0,1 2 0 0 0,1 2 0 0 0,1 1 0 0 0,1 2 0 0 0,1 1 0 0 0,0 2 0 0 0,0 2 0 0 0,68-11 0 0 0,-62 15 0 0 0,1 2 0 0 0,0 3 0 0 0,0 1 0 0 0,58 6 0 0 0,33 8 0 0 0,-59-11 0 0 0,-27-2 0 0 0,-28 2 0 0 0,4 3 0 0 0,-1 1 0 0 0,1 1 0 0 0,-1 1 0 0 0,0 1 0 0 0,-1 1 0 0 0,0 2 0 0 0,27 16 0 0 0,-25-12 0 0 0,1-2 0 0 0,55 21 0 0 0,-61-29 0 0 0,-16-5 0 0 0,-1 0 0 0 0,1 0 0 0 0,-1 1 0 0 0,1-1 0 0 0,-1 1 0 0 0,0 0 0 0 0,0 0 0 0 0,5 4 0 0 0,3 5 0 0 0,-10-8 0 0 0,1 0 0 0 0,-1-1 0 0 0,1 0 0 0 0,0 0 0 0 0,-1 1 0 0 0,7 2 0 0 0,10 2 0 0 0,-14-6 0 0 0,-1 1 0 0 0,1-1 0 0 0,0 1 0 0 0,5 4 0 0 0,4 3 0 0 0,-4-2 0 0 0,1 0 0 0 0,-1-1 0 0 0,21 8 0 0 0,-15-7-878 0 0,0 1 1 0 0,25 16-1 0 0,16 8-5517 0 0,-19-16-3801 0 0</inkml:trace>
+</inkml:ink>
+</file>
+
+<file path=ppt/ink/ink3.xml><?xml version="1.0" encoding="utf-8"?>
+<inkml:ink xmlns:inkml="http://www.w3.org/2003/InkML">
+  <inkml:definitions>
+    <inkml:context xml:id="ctx0">
+      <inkml:inkSource xml:id="inkSrc0">
+        <inkml:traceFormat>
+          <inkml:channel name="X" type="integer" min="-2.14748E9" max="2.14748E9" units="cm"/>
+          <inkml:channel name="Y" type="integer" min="-2.14748E9" max="2.14748E9" units="cm"/>
+          <inkml:channel name="F" type="integer" max="32767" units="dev"/>
+          <inkml:channel name="OA" type="integer" max="360" units="deg"/>
+          <inkml:channel name="OE" type="integer" max="90" units="deg"/>
+        </inkml:traceFormat>
+        <inkml:channelProperties>
+          <inkml:channelProperty channel="X" name="resolution" value="1000" units="1/cm"/>
+          <inkml:channelProperty channel="Y" name="resolution" value="1000" units="1/cm"/>
+          <inkml:channelProperty channel="F" name="resolution" value="0" units="1/dev"/>
+          <inkml:channelProperty channel="OA" name="resolution" value="1000" units="1/deg"/>
+          <inkml:channelProperty channel="OE" name="resolution" value="1000" units="1/deg"/>
+        </inkml:channelProperties>
+      </inkml:inkSource>
+      <inkml:timestamp xml:id="ts0" timeString="2024-04-25T18:12:26.134"/>
+    </inkml:context>
+    <inkml:brush xml:id="br0">
+      <inkml:brushProperty name="width" value="0.05" units="cm"/>
+      <inkml:brushProperty name="height" value="0.05" units="cm"/>
+      <inkml:brushProperty name="color" value="#004F8B"/>
+    </inkml:brush>
+  </inkml:definitions>
+  <inkml:trace contextRef="#ctx0" brushRef="#br0">1 649 5439 0 0,'6'10'86'0'0,"1"0"0"0"0,0-1 0 0 0,1 0-1 0 0,0 0 1 0 0,1-1 0 0 0,0 0 0 0 0,13 10-1 0 0,73 42 1395 0 0,-92-59-1402 0 0,18 10 594 0 0,1-1 1 0 0,1-1-1 0 0,0-1 0 0 0,0-1 0 0 0,1-1 0 0 0,-1-1 0 0 0,1-1 0 0 0,1-1 0 0 0,-1-1 0 0 0,47-2 0 0 0,-17-5 350 0 0,-1-2 0 0 0,0-2 0 0 0,97-30 1 0 0,-73 13-349 0 0,112-56 1 0 0,64-53 54 0 0,-181 95-453 0 0,60-27 566 0 0,3 6 0 0 0,2 5 1 0 0,3 7-1 0 0,253-55 0 0 0,-126 38 174 0 0,19-4-180 0 0,-108 39-523 0 0,-138 26-177 0 0,0 1 0 0 0,61 4 0 0 0,-65 4 88 0 0,-1 1 0 0 0,54 17 0 0 0,-49-9-46 0 0,-1 2-1 0 0,55 29 1 0 0,-51-23-79 0 0,-2 0 5 0 0,-2 1 0 0 0,-1 3 0 0 0,-1 1 0 0 0,-1 1 0 0 0,-1 2 0 0 0,-2 2 0 0 0,41 47 0 0 0,-35-33 96 0 0,2-2 0 0 0,82 66 1 0 0,-95-89-67 0 0,0-1 1 0 0,1-1-1 0 0,1-1 1 0 0,0-2 0 0 0,1-1-1 0 0,44 13 1 0 0,-41-18-76 0 0,40 4 0 0 0,-9-2-3 0 0,-54-8-22 0 0,-1-2 0 0 0,1 0 0 0 0,0 0 0 0 0,0-1 0 0 0,0 0 0 0 0,-1 0-1 0 0,1-1 1 0 0,0-1 0 0 0,12-3 0 0 0,-5 1-25 0 0,208-51 153 0 0,-175 40-129 0 0,0-3 1 0 0,65-32 0 0 0,261-147-34 0 0,18 10 0 0 0,-334 163 0 0 0,1 3 0 0 0,0 3 0 0 0,2 2 0 0 0,0 3 0 0 0,103-7 0 0 0,-119 19 0 0 0,1 2 0 0 0,-1 2 0 0 0,0 2 0 0 0,93 22 0 0 0,-83-14 0 0 0,342 96 0 0 0,-207-54 0 0 0,-146-43 0 0 0,12 2 0 0 0,1-3 0 0 0,-1-3 0 0 0,2-2 0 0 0,-1-3 0 0 0,0-2 0 0 0,1-3 0 0 0,-1-3 0 0 0,76-16 0 0 0,0-7 0 0 0,243-39 0 0 0,-255 56 0 0 0,189 5 0 0 0,67 29 0 0 0,-134 13 0 0 0,-212-29 0 0 0,69 19 0 0 0,-53-13 0 0 0,-34-7 0 0 0,21 8 0 0 0,14 6 0 0 0,1-6 0 0 0,0-3 0 0 0,1-1 0 0 0,0-3 0 0 0,55 0 0 0 0,-42-7 0 0 0,-1-3 0 0 0,127-21 0 0 0,270-53 0 0 0,-392 69 0 0 0,1 3 0 0 0,0 3 0 0 0,-1 3 0 0 0,1 3 0 0 0,102 20 0 0 0,-99-8 0 0 0,0 4 0 0 0,133 55 0 0 0,-105-33 0 0 0,1-4 0 0 0,2-5 0 0 0,141 25 0 0 0,-164-46 0 0 0,1-5 0 0 0,96-2 0 0 0,-114-2 0 0 0,-42-1 0 0 0,0-1 0 0 0,45-4 0 0 0,37-20 0 0 0,-47 8 0 0 0,89-19 0 0 0,163-35 0 0 0,-304 68 0 0 0,542-89 0 0 0,-196 59 0 0 0,-115 42 0 0 0,-218-9 0 0 0,37 3 0 0 0,0 2 0 0 0,0 3 0 0 0,0 3 0 0 0,-2 2 0 0 0,0 2 0 0 0,89 42 0 0 0,354 160 0 0 0,-372-176 0 0 0,234 49 0 0 0,-106-50 0 0 0,4-23 0 0 0,-124-21 0 0 0,229-35 0 0 0,123-66 0 0 0,-421 87 0 0 0,295-71 0 0 0,-265 70 0 0 0,177-11 0 0 0,-136 27 0 0 0,230 26 0 0 0,-277-6 0 0 0,-64-12 0 0 0,0-2 0 0 0,0 0 0 0 0,28 1 0 0 0,188-12 0 0 0,-173 3 0 0 0,40-5 0 0 0,-1-5 0 0 0,114-29 0 0 0,202-71 0 0 0,-70 16 0 0 0,7 30 0 0 0,-219 55 0 0 0,1 7 0 0 0,189 15 0 0 0,277 60 0 0 0,-240-22 0 0 0,-179-27 0 0 0,1004 126 0 0 0,-623-65 0 0 0,-304-45 0 0 0,33 6 0 0 0,37 8-2731 0 0,78 13-5681 0 0,-361-55-909 0 0</inkml:trace>
+</inkml:ink>
+</file>
+
+<file path=ppt/ink/ink4.xml><?xml version="1.0" encoding="utf-8"?>
+<inkml:ink xmlns:inkml="http://www.w3.org/2003/InkML">
+  <inkml:definitions>
+    <inkml:context xml:id="ctx0">
+      <inkml:inkSource xml:id="inkSrc0">
+        <inkml:traceFormat>
+          <inkml:channel name="X" type="integer" min="-2.14748E9" max="2.14748E9" units="cm"/>
+          <inkml:channel name="Y" type="integer" min="-2.14748E9" max="2.14748E9" units="cm"/>
+          <inkml:channel name="F" type="integer" max="32767" units="dev"/>
+          <inkml:channel name="OA" type="integer" max="360" units="deg"/>
+          <inkml:channel name="OE" type="integer" max="90" units="deg"/>
+        </inkml:traceFormat>
+        <inkml:channelProperties>
+          <inkml:channelProperty channel="X" name="resolution" value="1000" units="1/cm"/>
+          <inkml:channelProperty channel="Y" name="resolution" value="1000" units="1/cm"/>
+          <inkml:channelProperty channel="F" name="resolution" value="0" units="1/dev"/>
+          <inkml:channelProperty channel="OA" name="resolution" value="1000" units="1/deg"/>
+          <inkml:channelProperty channel="OE" name="resolution" value="1000" units="1/deg"/>
+        </inkml:channelProperties>
+      </inkml:inkSource>
+      <inkml:timestamp xml:id="ts0" timeString="2024-04-25T18:13:21.473"/>
+    </inkml:context>
+    <inkml:brush xml:id="br0">
+      <inkml:brushProperty name="width" value="0.05" units="cm"/>
+      <inkml:brushProperty name="height" value="0.05" units="cm"/>
+      <inkml:brushProperty name="color" value="#004F8B"/>
+    </inkml:brush>
+  </inkml:definitions>
+  <inkml:trace contextRef="#ctx0" brushRef="#br0">14750 1018 3079 0 0,'-85'-48'282'0'0,"-51"-28"196"0"0,97 56 204 0 0,-65-22 0 0 0,13 16 278 0 0,0 4 0 0 0,-123-14 0 0 0,-398-6 3488 0 0,343 31-2573 0 0,145 5-1133 0 0,-509-36 2772 0 0,490 30-3070 0 0,-133-13 217 0 0,115 14-225 0 0,12 1-6 0 0,-338-49 846 0 0,336 40-946 0 0,-610-61 1382 0 0,-340 32-1176 0 0,1067 48-534 0 0,-849-25 524 0 0,758 19-435 0 0,-191-14 154 0 0,260 16-192 0 0,-443-41 262 0 0,135 11-190 0 0,61 1-3 0 0,63 6-97 0 0,-494-47 317 0 0,110 10-161 0 0,-400 17-32 0 0,791 44-149 0 0,-357 3 0 0 0,-116 55-316 0 0,571-35 237 0 0,0 6 0 0 0,2 6 0 0 0,-150 57 0 0 0,218-64 75 0 0,1 4-1 0 0,-107 65 1 0 0,-71 76-128 0 0,40-26-59 0 0,51-38 43 0 0,114-77 134 0 0,-63 67 0 0 0,61-49 45 0 0,-65 103 0 0 0,86-122-29 0 0,-94 118 35 0 0,18-27-10 0 0,47-46-111 0 0,-67 140 0 0 0,97-171 36 0 0,2 1 0 0 0,2 0-1 0 0,-12 68 1 0 0,11-42-15 0 0,-5 25-94 0 0,-11 152 1 0 0,19-49-76 0 0,10 0 1 0 0,25 215-1 0 0,-15-330 225 0 0,0 10-26 0 0,33 140 1 0 0,-29-187 35 0 0,2 0 0 0 0,1-1-1 0 0,31 57 1 0 0,-28-68 29 0 0,1 0 0 0 0,2-2 0 0 0,1 0 0 0 0,42 43 0 0 0,50 39 61 0 0,23 22-21 0 0,-72-67-99 0 0,2-3 0 0 0,126 93 0 0 0,114 45-127 0 0,29 11 81 0 0,-238-157 59 0 0,117 66 20 0 0,9-17-70 0 0,29-10-65 0 0,103 43 157 0 0,78 68 157 0 0,16 19 50 0 0,481 191-102 0 0,-449-221-21 0 0,114 1 305 0 0,12 20-402 0 0,115 26-15 0 0,266-43 93 0 0,-79-55-26 0 0,-910-145-67 0 0,372 66 87 0 0,62 11 39 0 0,130-8-84 0 0,3-21-10 0 0,-467-40-31 0 0,37 3-1 0 0,284 24 0 0 0,-189-22 0 0 0,-52-5 0 0 0,-84 0-2 0 0,93 5 15 0 0,-82-11 20 0 0,68 4 0 0 0,-67 3 8 0 0,71 3 1 0 0,-37-7 18 0 0,156 7 20 0 0,40 2-22 0 0,-73-5-32 0 0,61-2 10 0 0,-42-3-8 0 0,867 17 158 0 0,-892-19-127 0 0,25 1-11 0 0,711 11 195 0 0,732-66-54 0 0,-1220 2-18 0 0,-393 38-183 0 0,504-84-141 0 0,-255 13 263 0 0,-5-19-114 0 0,-177 49-52 0 0,407-125 59 0 0,-457 139 31 0 0,139-51 12 0 0,-58-17-59 0 0,-6-15-18 0 0,5-4-5 0 0,-69 49 20 0 0,180-110 16 0 0,-135 47 0 0 0,-66 47 0 0 0,45-28-11 0 0,140-104-141 0 0,-57 0 139 0 0,-26-23 1 0 0,-173 185 0 0 0,-3-2 0 0 0,-2-3 0 0 0,-4-1 0 0 0,45-99 0 0 0,49-150-43 0 0,-110 246 30 0 0,-2-1 0 0 0,20-112-1 0 0,-33 113-65 0 0,-3-1-1 0 0,-2-107 1 0 0,-8 130-18 0 0,-3 1-1 0 0,-1 0 1 0 0,-3 0-1 0 0,-22-73 1 0 0,11 64 14 0 0,-3 0 0 0 0,-3 2 0 0 0,-1 0 0 0 0,-52-75 0 0 0,14 38 46 0 0,-4 4 0 0 0,-3 2 0 0 0,-5 4 0 0 0,-97-83 0 0 0,-158-101 198 0 0,-11 18 118 0 0,239 179-161 0 0,-4 4 0 0 0,-162-72-1 0 0,-298-141 143 0 0,244 118-170 0 0,-16 26 44 0 0,194 90-54 0 0,-80-26 27 0 0,-166-85 7 0 0,11 4-44 0 0,-270-42 22 0 0,560 173-49 0 0,-510-106 165 0 0,399 98-180 0 0,-114-20-19 0 0,103 8 3 0 0,-135-24 0 0 0,-576-41 112 0 0,214 86-28 0 0,-4 50-168 0 0,-55 55-1132 0 0,393-37-13 0 0,-137 6-2205 0 0,226-25-933 0 0,-113 14-2779 0 0</inkml:trace>
+</inkml:ink>
+</file>
+
+<file path=ppt/ink/ink5.xml><?xml version="1.0" encoding="utf-8"?>
+<inkml:ink xmlns:inkml="http://www.w3.org/2003/InkML">
+  <inkml:definitions>
+    <inkml:context xml:id="ctx0">
+      <inkml:inkSource xml:id="inkSrc0">
+        <inkml:traceFormat>
+          <inkml:channel name="X" type="integer" min="-2.14748E9" max="2.14748E9" units="cm"/>
+          <inkml:channel name="Y" type="integer" min="-2.14748E9" max="2.14748E9" units="cm"/>
+          <inkml:channel name="F" type="integer" max="32767" units="dev"/>
+          <inkml:channel name="OA" type="integer" max="360" units="deg"/>
+          <inkml:channel name="OE" type="integer" max="90" units="deg"/>
+        </inkml:traceFormat>
+        <inkml:channelProperties>
+          <inkml:channelProperty channel="X" name="resolution" value="1000" units="1/cm"/>
+          <inkml:channelProperty channel="Y" name="resolution" value="1000" units="1/cm"/>
+          <inkml:channelProperty channel="F" name="resolution" value="0" units="1/dev"/>
+          <inkml:channelProperty channel="OA" name="resolution" value="1000" units="1/deg"/>
+          <inkml:channelProperty channel="OE" name="resolution" value="1000" units="1/deg"/>
+        </inkml:channelProperties>
+      </inkml:inkSource>
+      <inkml:timestamp xml:id="ts0" timeString="2024-04-25T18:13:28.414"/>
+    </inkml:context>
+    <inkml:brush xml:id="br0">
+      <inkml:brushProperty name="width" value="0.05" units="cm"/>
+      <inkml:brushProperty name="height" value="0.05" units="cm"/>
+      <inkml:brushProperty name="color" value="#004F8B"/>
+    </inkml:brush>
+  </inkml:definitions>
+  <inkml:trace contextRef="#ctx0" brushRef="#br0">819 234 2159 0 0,'-158'-208'2212'0'0,"139"183"592"0"0,19 25-2780 0 0,0 0 0 0 0,-1 0 0 0 0,1 1 0 0 0,0-1 0 0 0,0 0-1 0 0,0 0 1 0 0,0 0 0 0 0,-1 0 0 0 0,1 0 0 0 0,0 0 0 0 0,0 0 0 0 0,0 0-1 0 0,0 0 1 0 0,-1 0 0 0 0,1 0 0 0 0,0 0 0 0 0,0 0 0 0 0,0 1 0 0 0,0-1-1 0 0,-1 0 1 0 0,1-1 0 0 0,0 1 0 0 0,0 0 0 0 0,0 0 0 0 0,-1 0 0 0 0,1 0-1 0 0,0 0 1 0 0,0 0 0 0 0,0 0 0 0 0,0 0 0 0 0,-1 0 0 0 0,1 0-1 0 0,0 0 1 0 0,0-1 1 0 0,-1 1 0 0 0,1 0-1 0 0,0 0 1 0 0,-1 0 0 0 0,1 0 0 0 0,-1-1-1 0 0,1 1 1 0 0,0 0 0 0 0,-1 0-1 0 0,1 0 1 0 0,0 0 0 0 0,-1 0-1 0 0,1 0 1 0 0,0 0 0 0 0,-1 0 0 0 0,1 0-1 0 0,-1 0 1 0 0,1 1 0 0 0,0-1-1 0 0,-1 0 1 0 0,1 0 0 0 0,0 0-1 0 0,-1 0 1 0 0,1 0 0 0 0,0 1 0 0 0,-1-1-1 0 0,1 0 1 0 0,0 0 0 0 0,-1 1-1 0 0,-8 7 140 0 0,1 0-1 0 0,0 0 1 0 0,0 1-1 0 0,1 1 1 0 0,0-1-1 0 0,1 1 0 0 0,-8 14 1 0 0,-33 80 135 0 0,44-94-275 0 0,-35 95 88 0 0,-26 122 1 0 0,34-110-27 0 0,1-12-26 0 0,-189 648 2593 0 0,217-751-2645 0 0,-67 218 848 0 0,16 2 21 0 0,52-222-876 0 0,-3 18 103 0 0,0 0 0 0 0,2-1 0 0 0,0 27 0 0 0,1-39-64 0 0,1 0 1 0 0,0 0 0 0 0,0 0 0 0 0,0 0-1 0 0,1 0 1 0 0,-1 0 0 0 0,4 6 0 0 0,-3-8-7 0 0,-1-1 1 0 0,1 0-1 0 0,-1 1 1 0 0,1-1-1 0 0,0 0 1 0 0,0 0-1 0 0,0 0 1 0 0,0 0-1 0 0,0-1 1 0 0,0 1-1 0 0,1-1 1 0 0,-1 1-1 0 0,1-1 1 0 0,3 2-1 0 0,1-1 23 0 0,0 0-1 0 0,0-1 0 0 0,1 0 1 0 0,-1 0-1 0 0,0-1 1 0 0,0 1-1 0 0,1-2 0 0 0,-1 1 1 0 0,0-1-1 0 0,0 0 1 0 0,1-1-1 0 0,-1 1 0 0 0,10-5 1 0 0,4-2 19 0 0,-1-1 1 0 0,0 0 0 0 0,23-16-1 0 0,1-5 37 0 0,-2-3 0 0 0,75-74 0 0 0,-63 55-52 0 0,285-240 113 0 0,251-179 511 0 0,-236 211 70 0 0,-112 86-450 0 0,-12-14-74 0 0,-225 183-224 0 0,-1 3 15 0 0,-1-1 0 0 0,0 0 0 0 0,0 0 1 0 0,0 0-1 0 0,-1 0 0 0 0,1 0 0 0 0,-1-1 0 0 0,0 1 0 0 0,0-1 0 0 0,3-6 0 0 0,-4 9 66 0 0,-8-1 116 0 0,7 2-192 0 0,-1 0 0 0 0,0 0 0 0 0,1-1 0 0 0,-1 1-1 0 0,1 0 1 0 0,-1 0 0 0 0,0 0 0 0 0,1 0 0 0 0,-1-1-1 0 0,1 1 1 0 0,-1 0 0 0 0,0 0 0 0 0,1 0 0 0 0,-1 1 0 0 0,0-1-1 0 0,1 0 1 0 0,-1 0 0 0 0,1 0 0 0 0,-1 0 0 0 0,0 1-1 0 0,0-1 1 0 0,-154 65 1297 0 0,27-10-4190 0 0,97-44-1943 0 0,-1 2-1404 0 0</inkml:trace>
+</inkml:ink>
+</file>
+
+<file path=ppt/ink/ink6.xml><?xml version="1.0" encoding="utf-8"?>
+<inkml:ink xmlns:inkml="http://www.w3.org/2003/InkML">
+  <inkml:definitions>
+    <inkml:context xml:id="ctx0">
+      <inkml:inkSource xml:id="inkSrc0">
+        <inkml:traceFormat>
+          <inkml:channel name="X" type="integer" min="-2.14748E9" max="2.14748E9" units="cm"/>
+          <inkml:channel name="Y" type="integer" min="-2.14748E9" max="2.14748E9" units="cm"/>
+          <inkml:channel name="F" type="integer" max="32767" units="dev"/>
+          <inkml:channel name="OA" type="integer" max="360" units="deg"/>
+          <inkml:channel name="OE" type="integer" max="90" units="deg"/>
+        </inkml:traceFormat>
+        <inkml:channelProperties>
+          <inkml:channelProperty channel="X" name="resolution" value="1000" units="1/cm"/>
+          <inkml:channelProperty channel="Y" name="resolution" value="1000" units="1/cm"/>
+          <inkml:channelProperty channel="F" name="resolution" value="0" units="1/dev"/>
+          <inkml:channelProperty channel="OA" name="resolution" value="1000" units="1/deg"/>
+          <inkml:channelProperty channel="OE" name="resolution" value="1000" units="1/deg"/>
+        </inkml:channelProperties>
+      </inkml:inkSource>
+      <inkml:timestamp xml:id="ts0" timeString="2024-04-25T18:13:28.925"/>
+    </inkml:context>
+    <inkml:brush xml:id="br0">
+      <inkml:brushProperty name="width" value="0.05" units="cm"/>
+      <inkml:brushProperty name="height" value="0.05" units="cm"/>
+      <inkml:brushProperty name="color" value="#004F8B"/>
+    </inkml:brush>
+  </inkml:definitions>
+  <inkml:trace contextRef="#ctx0" brushRef="#br0">1531 349 2591 0 0,'-195'-45'491'0'0,"87"19"599"0"0,-150-18 0 0 0,210 40-876 0 0,1 3 0 0 0,-1 1 1 0 0,-66 10-1 0 0,80-5-186 0 0,1 2 0 0 0,0 1-1 0 0,0 1 1 0 0,1 3 0 0 0,-48 22 0 0 0,30-7 129 0 0,2 2-1 0 0,0 2 1 0 0,3 2-1 0 0,-81 77 1 0 0,110-94-17 0 0,1 2 1 0 0,0 0-1 0 0,2 0 1 0 0,0 2-1 0 0,1 0 1 0 0,1 0-1 0 0,1 1 1 0 0,1 0-1 0 0,-8 26 1 0 0,12-30-49 0 0,1-1 0 0 0,0 1 1 0 0,2-1-1 0 0,0 1 0 0 0,0 0 1 0 0,2 0-1 0 0,0 0 0 0 0,1 0 0 0 0,1 0 1 0 0,0 0-1 0 0,2 0 0 0 0,0-1 1 0 0,7 20-1 0 0,-5-22-48 0 0,1 0 0 0 0,0-1 0 0 0,1 0 0 0 0,17 20 0 0 0,44 45 105 0 0,5-4 93 0 0,129 99 0 0 0,99 43 218 0 0,-211-158-52 0 0,2-4 0 0 0,3-4 0 0 0,1-4-1 0 0,2-4 1 0 0,203 54 0 0 0,-239-81-201 0 0,1-3 0 0 0,1-2 0 0 0,0-4 0 0 0,0-2 0 0 0,1-3 0 0 0,-1-3 0 0 0,0-3 0 0 0,0-2 0 0 0,0-4 0 0 0,82-24 0 0 0,-86 16 61 0 0,-1-2 1 0 0,100-52-1 0 0,-131 57-139 0 0,-1-2 0 0 0,-1 0 0 0 0,-1-2 0 0 0,0-1-1 0 0,-2-1 1 0 0,0-1 0 0 0,24-31 0 0 0,-8-1 249 0 0,-3-2 0 0 0,-2-1 0 0 0,45-104 0 0 0,-68 134-226 0 0,-2 0-1 0 0,-1 0 1 0 0,-1-1 0 0 0,-1 0-1 0 0,-2-1 1 0 0,-1 1 0 0 0,-1-1-1 0 0,-1 0 1 0 0,-2 0-1 0 0,-5-45 1 0 0,2 52-61 0 0,-2 0-1 0 0,0 0 1 0 0,-1 0-1 0 0,-2 1 1 0 0,0-1 0 0 0,-1 2-1 0 0,-1-1 1 0 0,-1 2-1 0 0,-1-1 1 0 0,-1 1-1 0 0,-1 1 1 0 0,-1 1 0 0 0,-30-31-1 0 0,2 10 100 0 0,-3 3-1 0 0,-84-53 1 0 0,-113-41 209 0 0,108 67-200 0 0,-250-80 0 0 0,267 110-102 0 0,-2 5-1 0 0,-191-20 1 0 0,-383 17-284 0 0,443 24 118 0 0,89 5-1243 0 0,65 4-3972 0 0,6 3-1968 0 0</inkml:trace>
+</inkml:ink>
+</file>
+
+<file path=ppt/ink/ink7.xml><?xml version="1.0" encoding="utf-8"?>
+<inkml:ink xmlns:inkml="http://www.w3.org/2003/InkML">
+  <inkml:definitions>
+    <inkml:context xml:id="ctx0">
+      <inkml:inkSource xml:id="inkSrc0">
+        <inkml:traceFormat>
+          <inkml:channel name="X" type="integer" min="-2.14748E9" max="2.14748E9" units="cm"/>
+          <inkml:channel name="Y" type="integer" min="-2.14748E9" max="2.14748E9" units="cm"/>
+          <inkml:channel name="F" type="integer" max="32767" units="dev"/>
+          <inkml:channel name="OA" type="integer" max="360" units="deg"/>
+          <inkml:channel name="OE" type="integer" max="90" units="deg"/>
+        </inkml:traceFormat>
+        <inkml:channelProperties>
+          <inkml:channelProperty channel="X" name="resolution" value="1000" units="1/cm"/>
+          <inkml:channelProperty channel="Y" name="resolution" value="1000" units="1/cm"/>
+          <inkml:channelProperty channel="F" name="resolution" value="0" units="1/dev"/>
+          <inkml:channelProperty channel="OA" name="resolution" value="1000" units="1/deg"/>
+          <inkml:channelProperty channel="OE" name="resolution" value="1000" units="1/deg"/>
+        </inkml:channelProperties>
+      </inkml:inkSource>
+      <inkml:timestamp xml:id="ts0" timeString="2024-04-25T18:15:56.713"/>
+    </inkml:context>
+    <inkml:brush xml:id="br0">
+      <inkml:brushProperty name="width" value="0.05" units="cm"/>
+      <inkml:brushProperty name="height" value="0.05" units="cm"/>
+      <inkml:brushProperty name="color" value="#004F8B"/>
+    </inkml:brush>
+  </inkml:definitions>
+  <inkml:trace contextRef="#ctx0" brushRef="#br0">1622 1612 2471 0 0,'-3'-65'164'0'0,"-17"-220"184"0"0,-38-141 772 0 0,33 231-543 0 0,-27-151 616 0 0,44 301-956 0 0,1 9 184 0 0,-15-50-1 0 0,19 75-198 0 0,-1 1 0 0 0,-1-1-1 0 0,0 1 1 0 0,0 0 0 0 0,-1 1 0 0 0,0-1-1 0 0,-1 1 1 0 0,0 1 0 0 0,-8-9 0 0 0,13 15-134 0 0,0 0 1 0 0,0 0 0 0 0,0 0-1 0 0,-1 0 1 0 0,1 1 0 0 0,0-1-1 0 0,-1 1 1 0 0,1 0 0 0 0,-1-1-1 0 0,1 1 1 0 0,-1 0 0 0 0,0 0-1 0 0,1 1 1 0 0,-1-1 0 0 0,0 1-1 0 0,1-1 1 0 0,-1 1 0 0 0,0 0-1 0 0,0 0 1 0 0,0 0 0 0 0,1 0-1 0 0,-1 0 1 0 0,0 1 0 0 0,0 0-1 0 0,1-1 1 0 0,-1 1 0 0 0,0 0-1 0 0,1 0 1 0 0,-1 0 0 0 0,1 1-1 0 0,-1-1 1 0 0,1 0 0 0 0,-3 3-1 0 0,-6 6 329 0 0,1 1 0 0 0,0 0-1 0 0,1 0 1 0 0,-15 25 0 0 0,-22 56 963 0 0,-61 217-784 0 0,54-139-584 0 0,10-45-18 0 0,-114 366 92 0 0,101-296-13 0 0,-59 227-79 0 0,-84 555 2251 0 0,169-707-629 0 0,27-232-1388 0 0,1-26-79 0 0,1 0 0 0 0,0 1-1 0 0,1-1 1 0 0,0 0 0 0 0,1 0-1 0 0,1 0 1 0 0,4 21-1 0 0,-6-33-138 0 0,0 0 0 0 0,0 0 0 0 0,0 1 0 0 0,0-1 0 0 0,0 0 0 0 0,0 0 0 0 0,0 0 0 0 0,1 1 0 0 0,-1-1 0 0 0,0 0-1 0 0,0 0 1 0 0,0 0 0 0 0,0 0 0 0 0,0 1 0 0 0,0-1 0 0 0,0 0 0 0 0,1 0 0 0 0,-1 0 0 0 0,0 0 0 0 0,0 0 0 0 0,0 0 0 0 0,0 1-1 0 0,0-1 1 0 0,1 0 0 0 0,-1 0 0 0 0,0 0 0 0 0,0 0 0 0 0,0 0 0 0 0,1 0 0 0 0,-1 0 0 0 0,0 0 0 0 0,0 0 0 0 0,0 0-1 0 0,0 0 1 0 0,1 0 0 0 0,-1 0 0 0 0,5 0 34 0 0,1 0 0 0 0,-1 0 0 0 0,0-1 0 0 0,0 0 0 0 0,0 0 0 0 0,0 0 0 0 0,0 0 0 0 0,0-1-1 0 0,0 0 1 0 0,0 0 0 0 0,-1 0 0 0 0,1-1 0 0 0,-1 0 0 0 0,1 1 0 0 0,-1-2 0 0 0,0 1 0 0 0,4-5 0 0 0,10-8-85 0 0,-2-1 1 0 0,22-28-1 0 0,72-99 107 0 0,-93 123-41 0 0,161-187 615 0 0,-37 25-101 0 0,-15-11-2 0 0,-38 53-70 0 0,95-162 99 0 0,-159 256-574 0 0,169-347 436 0 0,-186 375-409 0 0,-1 0-1 0 0,0 0 0 0 0,-1-1 0 0 0,-2 0 1 0 0,0 0-1 0 0,0 0 0 0 0,-2-37 0 0 0,-2 47-19 0 0,0 0-1 0 0,0 1 1 0 0,0-1-1 0 0,-2 0 1 0 0,1 1-1 0 0,-1-1 1 0 0,-1 1-1 0 0,1 0 1 0 0,-1 0-1 0 0,-1 0 1 0 0,0 0-1 0 0,0 1 1 0 0,-1 0-1 0 0,0 0 1 0 0,0 1-1 0 0,-1-1 1 0 0,0 1-1 0 0,-8-6 1 0 0,4 5 42 0 0,-1 0 0 0 0,0 0 1 0 0,-1 2-1 0 0,0-1 0 0 0,0 1 0 0 0,0 1 1 0 0,-1 1-1 0 0,-14-4 0 0 0,9 4-14 0 0,-1 2-1 0 0,1 0 1 0 0,-1 1-1 0 0,1 0 1 0 0,-26 4-1 0 0,2 3-17 0 0,1 3 0 0 0,-1 1 0 0 0,1 2 0 0 0,-66 29-1 0 0,32-8 137 0 0,2 4-1 0 0,-116 76 1 0 0,-58 64 248 0 0,193-133-123 0 0,2 2 0 0 0,-62 69-1 0 0,102-100-224 0 0,-83 100 283 0 0,79-93-242 0 0,1 2 1 0 0,1 0-1 0 0,-15 31 0 0 0,20-34-39 0 0,5-11-8 0 0,0 0-1 0 0,1 0 1 0 0,-4 15 0 0 0,7-22-34 0 0,0-1-1 0 0,1 1 1 0 0,-1 0-1 0 0,1-1 1 0 0,0 1-1 0 0,0 0 1 0 0,0-1 0 0 0,0 1-1 0 0,0 0 1 0 0,1-1-1 0 0,-1 1 1 0 0,1 0 0 0 0,0-1-1 0 0,0 1 1 0 0,0-1-1 0 0,0 1 1 0 0,0-1-1 0 0,3 5 1 0 0,18 16-5 0 0,12-1 0 0 0,26 12-64 0 0,124 49 0 0 0,-132-64-31 0 0,22 9-50 0 0,105 24 1 0 0,-81-33 152 0 0,1-5-1 0 0,0-4 1 0 0,135-5-1 0 0,-109-11 122 0 0,-1-5-1 0 0,157-35 1 0 0,427-127 383 0 0,-660 160-235 0 0,0-3 0 0 0,-1-1 0 0 0,65-35 0 0 0,-105 48-113 0 0,0 0 0 0 0,10-9-1 0 0,-15 11-124 0 0,-1 1-1 0 0,1 0 0 0 0,-1 0 1 0 0,1-1-1 0 0,-1 1 0 0 0,0-1 1 0 0,0 0-1 0 0,0 1 0 0 0,0-1 0 0 0,0 0 1 0 0,0 1-1 0 0,0-1 0 0 0,-1 0 1 0 0,1 0-1 0 0,-1 0 0 0 0,1-3 1 0 0,-1 4-22 0 0,0-1 0 0 0,0 1 1 0 0,-1 0-1 0 0,1 0 0 0 0,0 0 1 0 0,-1-1-1 0 0,1 1 0 0 0,-1 0 1 0 0,0 0-1 0 0,1 0 0 0 0,-1 0 1 0 0,0 0-1 0 0,0 0 0 0 0,1 0 1 0 0,-3-2-1 0 0,-17-12 132 0 0,15 11-102 0 0,-18-11-20 0 0,-1 0 0 0 0,-1 2 0 0 0,0 0 0 0 0,-1 2 0 0 0,0 1 0 0 0,-33-8 0 0 0,-15 0 37 0 0,-78-8-1 0 0,22 11-409 0 0,-158 3-1 0 0,-132 25-922 0 0,210-4 796 0 0,185-8 390 0 0,-82 2-2433 0 0,-1-2-3959 0 0,-11-3-2688 0 0</inkml:trace>
+</inkml:ink>
+</file>
+
+<file path=ppt/ink/ink8.xml><?xml version="1.0" encoding="utf-8"?>
+<inkml:ink xmlns:inkml="http://www.w3.org/2003/InkML">
+  <inkml:definitions>
+    <inkml:context xml:id="ctx0">
+      <inkml:inkSource xml:id="inkSrc0">
+        <inkml:traceFormat>
+          <inkml:channel name="X" type="integer" min="-2.14748E9" max="2.14748E9" units="cm"/>
+          <inkml:channel name="Y" type="integer" min="-2.14748E9" max="2.14748E9" units="cm"/>
+          <inkml:channel name="F" type="integer" max="32767" units="dev"/>
+          <inkml:channel name="OA" type="integer" max="360" units="deg"/>
+          <inkml:channel name="OE" type="integer" max="90" units="deg"/>
+        </inkml:traceFormat>
+        <inkml:channelProperties>
+          <inkml:channelProperty channel="X" name="resolution" value="1000" units="1/cm"/>
+          <inkml:channelProperty channel="Y" name="resolution" value="1000" units="1/cm"/>
+          <inkml:channelProperty channel="F" name="resolution" value="0" units="1/dev"/>
+          <inkml:channelProperty channel="OA" name="resolution" value="1000" units="1/deg"/>
+          <inkml:channelProperty channel="OE" name="resolution" value="1000" units="1/deg"/>
+        </inkml:channelProperties>
+      </inkml:inkSource>
+      <inkml:timestamp xml:id="ts0" timeString="2024-04-25T18:22:07.629"/>
+    </inkml:context>
+    <inkml:brush xml:id="br0">
+      <inkml:brushProperty name="width" value="0.05" units="cm"/>
+      <inkml:brushProperty name="height" value="0.05" units="cm"/>
+      <inkml:brushProperty name="color" value="#004F8B"/>
+    </inkml:brush>
+  </inkml:definitions>
+  <inkml:trace contextRef="#ctx0" brushRef="#br0">8234 366 2303 0 0,'-561'-6'1770'0'0,"1"25"684"0"0,-386 85-1477 0 0,710-74-724 0 0,-426 68 33 0 0,7 39-151 0 0,464-89-102 0 0,-267 70 115 0 0,6 23 28 0 0,104 1 31 0 0,238-95 25 0 0,-307 146 1003 0 0,167-82-355 0 0,39-20-294 0 0,147-59-338 0 0,-74 48 0 0 0,54-24-118 0 0,-95 60 40 0 0,-264 157 152 0 0,20 28-222 0 0,331-223 209 0 0,-95 109 1 0 0,82-79 561 0 0,58-59-475 0 0,2 3 0 0 0,2 1 0 0 0,2 2 0 0 0,4 2 0 0 0,-36 71 0 0 0,43-70-328 0 0,3 1 0 0 0,3 2 0 0 0,2 0 0 0 0,3 2 0 0 0,3 0 0 0 0,3 1 0 0 0,-7 72 0 0 0,17-95-68 0 0,1-1 0 0 0,2 0 0 0 0,2 0 0 0 0,2 1 0 0 0,8 39 0 0 0,-1-34 42 0 0,2-1-1 0 0,1-1 0 0 0,34 69 1 0 0,-33-84-15 0 0,1-1 0 0 0,2-1-1 0 0,0 0 1 0 0,2-1 0 0 0,1-2 0 0 0,26 25 0 0 0,140 107-9 0 0,-144-126 58 0 0,1-2 0 0 0,82 39 0 0 0,133 37 228 0 0,-109-46-144 0 0,-4-3-18 0 0,192 44-1 0 0,163-5-58 0 0,7-44 97 0 0,-2-25 397 0 0,219-10 77 0 0,-497-12-364 0 0,235 3 398 0 0,347 7 133 0 0,-541-1-629 0 0,112 2-66 0 0,-198-17-106 0 0,91 1 70 0 0,-140 5-25 0 0,199-1 106 0 0,-171-8-87 0 0,138 0 79 0 0,-151 8-63 0 0,162-2 114 0 0,-173-4-122 0 0,236-3 163 0 0,-246 8-144 0 0,248-4 262 0 0,-83-9-73 0 0,162-4 101 0 0,-229 10-240 0 0,325-3 212 0 0,248 7 200 0 0,-288 8-163 0 0,-233-1-148 0 0,-173-4-163 0 0,315 9 274 0 0,-287-3-300 0 0,258 8 61 0 0,-164-14-84 0 0,356 8 45 0 0,-421-4-93 0 0,679 29 97 0 0,-248-12 194 0 0,-120-5-72 0 0,-175-5-98 0 0,953 46 579 0 0,-1209-56-672 0 0,1426 70 1008 0 0,0-50-706 0 0,-636-59-333 0 0,-550 21-14 0 0,-271 16 12 0 0,369-31-205 0 0,-85-18-8 0 0,-209 34 158 0 0,37-8-15 0 0,-1-5 0 0 0,149-55 0 0 0,175-109-174 0 0,-283 118 142 0 0,-19 9 55 0 0,186-115 1 0 0,-270 141 39 0 0,-2-3 1 0 0,-1-2-1 0 0,-2-2 1 0 0,-3-3 0 0 0,64-76-1 0 0,-80 81-43 0 0,-2-3 1 0 0,-2-1-1 0 0,-2-1 0 0 0,-2-2 1 0 0,34-85-1 0 0,-38 69-124 0 0,-4-1 0 0 0,18-100 0 0 0,-32 123-8 0 0,-1 0-1 0 0,-2 0 1 0 0,-3-1 0 0 0,-9-87 0 0 0,1 81-76 0 0,-3 2 0 0 0,-33-98 0 0 0,32 117 171 0 0,-1 1-1 0 0,-2 0 1 0 0,-1 1-1 0 0,-1 1 1 0 0,-38-47-1 0 0,8 22-59 0 0,-55-46-1 0 0,-60-40-105 0 0,84 74 140 0 0,11 9-38 0 0,-115-75 0 0 0,-26 15 126 0 0,116 66 28 0 0,-771-386 91 0 0,430 271 65 0 0,-10 27-4 0 0,282 90-94 0 0,21 5 22 0 0,-521-154 306 0 0,-9 28-110 0 0,177 70-123 0 0,-168-38-49 0 0,104-1 15 0 0,-171-36-82 0 0,7 38 21 0 0,-3 20 1 0 0,456 74-52 0 0,-621-92 199 0 0,-5 30 44 0 0,12 64-107 0 0,0 93-1 0 0,418 12-92 0 0,-468 128-1 0 0,267 16-36 0 0,15 43-342 0 0,596-231 257 0 0,-532 217-1369 0 0,196-78-5260 0 0,74-29-1409 0 0</inkml:trace>
+</inkml:ink>
 </file>
 
 <file path=ppt/notesMasters/notesMaster1.xml><?xml version="1.0" encoding="utf-8"?>
@@ -409,7 +665,7 @@
             <a:fld id="{7284CDAC-ACD1-4943-9118-05D26BC373AD}" type="datetimeFigureOut">
               <a:rPr lang="en-CA" smtClean="0"/>
               <a:pPr/>
-              <a:t>2023-10-05</a:t>
+              <a:t>2024-04-25</a:t>
             </a:fld>
             <a:endParaRPr lang="en-CA"/>
           </a:p>
@@ -675,6 +931,91 @@
 </p:notesMaster>
 </file>
 
+<file path=ppt/notesSlides/notesSlide1.xml><?xml version="1.0" encoding="utf-8"?>
+<p:notes xmlns:a="http://schemas.openxmlformats.org/drawingml/2006/main" xmlns:r="http://schemas.openxmlformats.org/officeDocument/2006/relationships" xmlns:p="http://schemas.openxmlformats.org/presentationml/2006/main">
+  <p:cSld>
+    <p:spTree>
+      <p:nvGrpSpPr>
+        <p:cNvPr id="1" name=""/>
+        <p:cNvGrpSpPr/>
+        <p:nvPr/>
+      </p:nvGrpSpPr>
+      <p:grpSpPr>
+        <a:xfrm>
+          <a:off x="0" y="0"/>
+          <a:ext cx="0" cy="0"/>
+          <a:chOff x="0" y="0"/>
+          <a:chExt cx="0" cy="0"/>
+        </a:xfrm>
+      </p:grpSpPr>
+      <p:sp>
+        <p:nvSpPr>
+          <p:cNvPr id="2" name="幻灯片图像占位符 1"/>
+          <p:cNvSpPr>
+            <a:spLocks noGrp="1" noRot="1" noChangeAspect="1"/>
+          </p:cNvSpPr>
+          <p:nvPr>
+            <p:ph type="sldImg"/>
+          </p:nvPr>
+        </p:nvSpPr>
+        <p:spPr/>
+      </p:sp>
+      <p:sp>
+        <p:nvSpPr>
+          <p:cNvPr id="3" name="备注占位符 2"/>
+          <p:cNvSpPr>
+            <a:spLocks noGrp="1"/>
+          </p:cNvSpPr>
+          <p:nvPr>
+            <p:ph type="body" idx="1"/>
+          </p:nvPr>
+        </p:nvSpPr>
+        <p:spPr/>
+        <p:txBody>
+          <a:bodyPr/>
+          <a:lstStyle/>
+          <a:p>
+            <a:endParaRPr lang="zh-CN" altLang="en-US" dirty="0"/>
+          </a:p>
+        </p:txBody>
+      </p:sp>
+      <p:sp>
+        <p:nvSpPr>
+          <p:cNvPr id="4" name="灯片编号占位符 3"/>
+          <p:cNvSpPr>
+            <a:spLocks noGrp="1"/>
+          </p:cNvSpPr>
+          <p:nvPr>
+            <p:ph type="sldNum" sz="quarter" idx="5"/>
+          </p:nvPr>
+        </p:nvSpPr>
+        <p:spPr/>
+        <p:txBody>
+          <a:bodyPr/>
+          <a:lstStyle/>
+          <a:p>
+            <a:fld id="{EA06EB27-61DC-41F3-9EAF-0FE44ABD7553}" type="slidenum">
+              <a:rPr lang="en-CA" smtClean="0"/>
+              <a:pPr/>
+              <a:t>17</a:t>
+            </a:fld>
+            <a:endParaRPr lang="en-CA"/>
+          </a:p>
+        </p:txBody>
+      </p:sp>
+    </p:spTree>
+    <p:extLst>
+      <p:ext uri="{BB962C8B-B14F-4D97-AF65-F5344CB8AC3E}">
+        <p14:creationId xmlns:p14="http://schemas.microsoft.com/office/powerpoint/2010/main" val="1482297619"/>
+      </p:ext>
+    </p:extLst>
+  </p:cSld>
+  <p:clrMapOvr>
+    <a:masterClrMapping/>
+  </p:clrMapOvr>
+</p:notes>
+</file>
+
 <file path=ppt/slideLayouts/slideLayout1.xml><?xml version="1.0" encoding="utf-8"?>
 <p:sldLayout xmlns:a="http://schemas.openxmlformats.org/drawingml/2006/main" xmlns:r="http://schemas.openxmlformats.org/officeDocument/2006/relationships" xmlns:p="http://schemas.openxmlformats.org/presentationml/2006/main" type="title" preserve="1">
   <p:cSld name="Title Slide">
@@ -857,7 +1198,7 @@
             <a:fld id="{5DF277B3-A994-49DF-A53F-7FC77A8B7443}" type="datetime1">
               <a:rPr lang="en-CA" smtClean="0"/>
               <a:pPr/>
-              <a:t>2023-10-05</a:t>
+              <a:t>2024-04-25</a:t>
             </a:fld>
             <a:endParaRPr lang="en-CA"/>
           </a:p>
@@ -1024,7 +1365,7 @@
             <a:fld id="{82923E8B-C05F-4B82-AA83-B8DEC7D9A80B}" type="datetime1">
               <a:rPr lang="en-CA" smtClean="0"/>
               <a:pPr/>
-              <a:t>2023-10-05</a:t>
+              <a:t>2024-04-25</a:t>
             </a:fld>
             <a:endParaRPr lang="en-CA"/>
           </a:p>
@@ -1201,7 +1542,7 @@
             <a:fld id="{8F56AB48-3A78-4F92-918C-3EF755977BAB}" type="datetime1">
               <a:rPr lang="en-CA" smtClean="0"/>
               <a:pPr/>
-              <a:t>2023-10-05</a:t>
+              <a:t>2024-04-25</a:t>
             </a:fld>
             <a:endParaRPr lang="en-CA"/>
           </a:p>
@@ -1368,7 +1709,7 @@
             <a:fld id="{793AD3A0-7500-4968-9241-392FE010D33B}" type="datetime1">
               <a:rPr lang="en-CA" smtClean="0"/>
               <a:pPr/>
-              <a:t>2023-10-05</a:t>
+              <a:t>2024-04-25</a:t>
             </a:fld>
             <a:endParaRPr lang="en-CA"/>
           </a:p>
@@ -1611,7 +1952,7 @@
             <a:fld id="{ED3E9B63-D6FB-469B-9450-2D1C8B32E384}" type="datetime1">
               <a:rPr lang="en-CA" smtClean="0"/>
               <a:pPr/>
-              <a:t>2023-10-05</a:t>
+              <a:t>2024-04-25</a:t>
             </a:fld>
             <a:endParaRPr lang="en-CA"/>
           </a:p>
@@ -1896,7 +2237,7 @@
             <a:fld id="{B24135C3-4C7E-4CBB-B4CD-0BEC0E5E3741}" type="datetime1">
               <a:rPr lang="en-CA" smtClean="0"/>
               <a:pPr/>
-              <a:t>2023-10-05</a:t>
+              <a:t>2024-04-25</a:t>
             </a:fld>
             <a:endParaRPr lang="en-CA"/>
           </a:p>
@@ -2315,7 +2656,7 @@
             <a:fld id="{79C60421-A1EB-4633-8CE5-90973653AF94}" type="datetime1">
               <a:rPr lang="en-CA" smtClean="0"/>
               <a:pPr/>
-              <a:t>2023-10-05</a:t>
+              <a:t>2024-04-25</a:t>
             </a:fld>
             <a:endParaRPr lang="en-CA"/>
           </a:p>
@@ -2430,7 +2771,7 @@
             <a:fld id="{7B2525DB-2019-4632-8C0A-6E4995E5149C}" type="datetime1">
               <a:rPr lang="en-CA" smtClean="0"/>
               <a:pPr/>
-              <a:t>2023-10-05</a:t>
+              <a:t>2024-04-25</a:t>
             </a:fld>
             <a:endParaRPr lang="en-CA"/>
           </a:p>
@@ -2522,7 +2863,7 @@
             <a:fld id="{EC4E9B2C-431C-4CCD-BFDD-189CF353999F}" type="datetime1">
               <a:rPr lang="en-CA" smtClean="0"/>
               <a:pPr/>
-              <a:t>2023-10-05</a:t>
+              <a:t>2024-04-25</a:t>
             </a:fld>
             <a:endParaRPr lang="en-CA"/>
           </a:p>
@@ -2796,7 +3137,7 @@
             <a:fld id="{E9AD85B9-749B-4E4C-A95F-AE6044FE9757}" type="datetime1">
               <a:rPr lang="en-CA" smtClean="0"/>
               <a:pPr/>
-              <a:t>2023-10-05</a:t>
+              <a:t>2024-04-25</a:t>
             </a:fld>
             <a:endParaRPr lang="en-CA"/>
           </a:p>
@@ -3046,7 +3387,7 @@
             <a:fld id="{4AC9657A-EF48-41A3-91A1-6A555F4FA245}" type="datetime1">
               <a:rPr lang="en-CA" smtClean="0"/>
               <a:pPr/>
-              <a:t>2023-10-05</a:t>
+              <a:t>2024-04-25</a:t>
             </a:fld>
             <a:endParaRPr lang="en-CA"/>
           </a:p>
@@ -3256,7 +3597,7 @@
             <a:fld id="{210BF460-3ECD-417A-ACDC-6D120A1AC9B0}" type="datetime1">
               <a:rPr lang="en-CA" smtClean="0"/>
               <a:pPr/>
-              <a:t>2023-10-05</a:t>
+              <a:t>2024-04-25</a:t>
             </a:fld>
             <a:endParaRPr lang="en-CA"/>
           </a:p>
@@ -4187,6 +4528,108 @@
           </a:ln>
         </p:spPr>
       </p:pic>
+      <mc:AlternateContent xmlns:mc="http://schemas.openxmlformats.org/markup-compatibility/2006">
+        <mc:Choice xmlns:p14="http://schemas.microsoft.com/office/powerpoint/2010/main" Requires="p14">
+          <p:contentPart p14:bwMode="auto" r:id="rId4">
+            <p14:nvContentPartPr>
+              <p14:cNvPr id="4" name="墨迹 3">
+                <a:extLst>
+                  <a:ext uri="{FF2B5EF4-FFF2-40B4-BE49-F238E27FC236}">
+                    <a16:creationId xmlns:a16="http://schemas.microsoft.com/office/drawing/2014/main" id="{F6800738-7461-2D20-F26C-0560506B9512}"/>
+                  </a:ext>
+                </a:extLst>
+              </p14:cNvPr>
+              <p14:cNvContentPartPr/>
+              <p14:nvPr/>
+            </p14:nvContentPartPr>
+            <p14:xfrm>
+              <a:off x="1635797" y="5443637"/>
+              <a:ext cx="6438960" cy="839160"/>
+            </p14:xfrm>
+          </p:contentPart>
+        </mc:Choice>
+        <mc:Fallback>
+          <p:pic>
+            <p:nvPicPr>
+              <p:cNvPr id="4" name="墨迹 3">
+                <a:extLst>
+                  <a:ext uri="{FF2B5EF4-FFF2-40B4-BE49-F238E27FC236}">
+                    <a16:creationId xmlns:a16="http://schemas.microsoft.com/office/drawing/2014/main" id="{F6800738-7461-2D20-F26C-0560506B9512}"/>
+                  </a:ext>
+                </a:extLst>
+              </p:cNvPr>
+              <p:cNvPicPr/>
+              <p:nvPr/>
+            </p:nvPicPr>
+            <p:blipFill>
+              <a:blip r:embed="rId5"/>
+              <a:stretch>
+                <a:fillRect/>
+              </a:stretch>
+            </p:blipFill>
+            <p:spPr>
+              <a:xfrm>
+                <a:off x="1627157" y="5434997"/>
+                <a:ext cx="6456600" cy="856800"/>
+              </a:xfrm>
+              <a:prstGeom prst="rect">
+                <a:avLst/>
+              </a:prstGeom>
+            </p:spPr>
+          </p:pic>
+        </mc:Fallback>
+      </mc:AlternateContent>
+      <mc:AlternateContent xmlns:mc="http://schemas.openxmlformats.org/markup-compatibility/2006">
+        <mc:Choice xmlns:p14="http://schemas.microsoft.com/office/powerpoint/2010/main" Requires="p14">
+          <p:contentPart p14:bwMode="auto" r:id="rId6">
+            <p14:nvContentPartPr>
+              <p14:cNvPr id="5" name="墨迹 4">
+                <a:extLst>
+                  <a:ext uri="{FF2B5EF4-FFF2-40B4-BE49-F238E27FC236}">
+                    <a16:creationId xmlns:a16="http://schemas.microsoft.com/office/drawing/2014/main" id="{2853811B-A4CA-7C17-BA20-44A4511F1763}"/>
+                  </a:ext>
+                </a:extLst>
+              </p14:cNvPr>
+              <p14:cNvContentPartPr/>
+              <p14:nvPr/>
+            </p14:nvContentPartPr>
+            <p14:xfrm>
+              <a:off x="633917" y="4780877"/>
+              <a:ext cx="3504600" cy="221760"/>
+            </p14:xfrm>
+          </p:contentPart>
+        </mc:Choice>
+        <mc:Fallback>
+          <p:pic>
+            <p:nvPicPr>
+              <p:cNvPr id="5" name="墨迹 4">
+                <a:extLst>
+                  <a:ext uri="{FF2B5EF4-FFF2-40B4-BE49-F238E27FC236}">
+                    <a16:creationId xmlns:a16="http://schemas.microsoft.com/office/drawing/2014/main" id="{2853811B-A4CA-7C17-BA20-44A4511F1763}"/>
+                  </a:ext>
+                </a:extLst>
+              </p:cNvPr>
+              <p:cNvPicPr/>
+              <p:nvPr/>
+            </p:nvPicPr>
+            <p:blipFill>
+              <a:blip r:embed="rId7"/>
+              <a:stretch>
+                <a:fillRect/>
+              </a:stretch>
+            </p:blipFill>
+            <p:spPr>
+              <a:xfrm>
+                <a:off x="625277" y="4772237"/>
+                <a:ext cx="3522240" cy="239400"/>
+              </a:xfrm>
+              <a:prstGeom prst="rect">
+                <a:avLst/>
+              </a:prstGeom>
+            </p:spPr>
+          </p:pic>
+        </mc:Fallback>
+      </mc:AlternateContent>
     </p:spTree>
   </p:cSld>
   <p:clrMapOvr>
@@ -4675,6 +5118,57 @@
           </a:ln>
         </p:spPr>
       </p:pic>
+      <mc:AlternateContent xmlns:mc="http://schemas.openxmlformats.org/markup-compatibility/2006">
+        <mc:Choice xmlns:p14="http://schemas.microsoft.com/office/powerpoint/2010/main" Requires="p14">
+          <p:contentPart p14:bwMode="auto" r:id="rId4">
+            <p14:nvContentPartPr>
+              <p14:cNvPr id="4" name="墨迹 3">
+                <a:extLst>
+                  <a:ext uri="{FF2B5EF4-FFF2-40B4-BE49-F238E27FC236}">
+                    <a16:creationId xmlns:a16="http://schemas.microsoft.com/office/drawing/2014/main" id="{5B7A4EA4-EF92-A986-DBD3-E49F7F094F02}"/>
+                  </a:ext>
+                </a:extLst>
+              </p14:cNvPr>
+              <p14:cNvContentPartPr/>
+              <p14:nvPr/>
+            </p14:nvContentPartPr>
+            <p14:xfrm>
+              <a:off x="702677" y="3234317"/>
+              <a:ext cx="9351720" cy="336600"/>
+            </p14:xfrm>
+          </p:contentPart>
+        </mc:Choice>
+        <mc:Fallback>
+          <p:pic>
+            <p:nvPicPr>
+              <p:cNvPr id="4" name="墨迹 3">
+                <a:extLst>
+                  <a:ext uri="{FF2B5EF4-FFF2-40B4-BE49-F238E27FC236}">
+                    <a16:creationId xmlns:a16="http://schemas.microsoft.com/office/drawing/2014/main" id="{5B7A4EA4-EF92-A986-DBD3-E49F7F094F02}"/>
+                  </a:ext>
+                </a:extLst>
+              </p:cNvPr>
+              <p:cNvPicPr/>
+              <p:nvPr/>
+            </p:nvPicPr>
+            <p:blipFill>
+              <a:blip r:embed="rId5"/>
+              <a:stretch>
+                <a:fillRect/>
+              </a:stretch>
+            </p:blipFill>
+            <p:spPr>
+              <a:xfrm>
+                <a:off x="694037" y="3225317"/>
+                <a:ext cx="9369360" cy="354240"/>
+              </a:xfrm>
+              <a:prstGeom prst="rect">
+                <a:avLst/>
+              </a:prstGeom>
+            </p:spPr>
+          </p:pic>
+        </mc:Fallback>
+      </mc:AlternateContent>
     </p:spTree>
   </p:cSld>
   <p:clrMapOvr>
@@ -5257,6 +5751,57 @@
           </a:ln>
         </p:spPr>
       </p:pic>
+      <mc:AlternateContent xmlns:mc="http://schemas.openxmlformats.org/markup-compatibility/2006">
+        <mc:Choice xmlns:p14="http://schemas.microsoft.com/office/powerpoint/2010/main" Requires="p14">
+          <p:contentPart p14:bwMode="auto" r:id="rId4">
+            <p14:nvContentPartPr>
+              <p14:cNvPr id="4" name="墨迹 3">
+                <a:extLst>
+                  <a:ext uri="{FF2B5EF4-FFF2-40B4-BE49-F238E27FC236}">
+                    <a16:creationId xmlns:a16="http://schemas.microsoft.com/office/drawing/2014/main" id="{808314BA-D80B-4FDC-459E-6080693AC344}"/>
+                  </a:ext>
+                </a:extLst>
+              </p14:cNvPr>
+              <p14:cNvContentPartPr/>
+              <p14:nvPr/>
+            </p14:nvContentPartPr>
+            <p14:xfrm>
+              <a:off x="226037" y="3472637"/>
+              <a:ext cx="8933400" cy="2876400"/>
+            </p14:xfrm>
+          </p:contentPart>
+        </mc:Choice>
+        <mc:Fallback>
+          <p:pic>
+            <p:nvPicPr>
+              <p:cNvPr id="4" name="墨迹 3">
+                <a:extLst>
+                  <a:ext uri="{FF2B5EF4-FFF2-40B4-BE49-F238E27FC236}">
+                    <a16:creationId xmlns:a16="http://schemas.microsoft.com/office/drawing/2014/main" id="{808314BA-D80B-4FDC-459E-6080693AC344}"/>
+                  </a:ext>
+                </a:extLst>
+              </p:cNvPr>
+              <p:cNvPicPr/>
+              <p:nvPr/>
+            </p:nvPicPr>
+            <p:blipFill>
+              <a:blip r:embed="rId5"/>
+              <a:stretch>
+                <a:fillRect/>
+              </a:stretch>
+            </p:blipFill>
+            <p:spPr>
+              <a:xfrm>
+                <a:off x="217397" y="3463997"/>
+                <a:ext cx="8951040" cy="2894040"/>
+              </a:xfrm>
+              <a:prstGeom prst="rect">
+                <a:avLst/>
+              </a:prstGeom>
+            </p:spPr>
+          </p:pic>
+        </mc:Fallback>
+      </mc:AlternateContent>
     </p:spTree>
   </p:cSld>
   <p:clrMapOvr>
@@ -5583,6 +6128,129 @@
           </a:ln>
         </p:spPr>
       </p:pic>
+      <p:grpSp>
+        <p:nvGrpSpPr>
+          <p:cNvPr id="5" name="组合 4">
+            <a:extLst>
+              <a:ext uri="{FF2B5EF4-FFF2-40B4-BE49-F238E27FC236}">
+                <a16:creationId xmlns:a16="http://schemas.microsoft.com/office/drawing/2014/main" id="{0C1B9D23-E984-A718-28BA-2BEC291D7891}"/>
+              </a:ext>
+            </a:extLst>
+          </p:cNvPr>
+          <p:cNvGrpSpPr/>
+          <p:nvPr/>
+        </p:nvGrpSpPr>
+        <p:grpSpPr>
+          <a:xfrm>
+            <a:off x="2271557" y="411557"/>
+            <a:ext cx="1103040" cy="830880"/>
+            <a:chOff x="2271557" y="411557"/>
+            <a:chExt cx="1103040" cy="830880"/>
+          </a:xfrm>
+        </p:grpSpPr>
+        <mc:AlternateContent xmlns:mc="http://schemas.openxmlformats.org/markup-compatibility/2006">
+          <mc:Choice xmlns:p14="http://schemas.microsoft.com/office/powerpoint/2010/main" Requires="p14">
+            <p:contentPart p14:bwMode="auto" r:id="rId6">
+              <p14:nvContentPartPr>
+                <p14:cNvPr id="3" name="墨迹 2">
+                  <a:extLst>
+                    <a:ext uri="{FF2B5EF4-FFF2-40B4-BE49-F238E27FC236}">
+                      <a16:creationId xmlns:a16="http://schemas.microsoft.com/office/drawing/2014/main" id="{7C15FCD0-8232-3FEA-BF70-0BF5EB9AD982}"/>
+                    </a:ext>
+                  </a:extLst>
+                </p14:cNvPr>
+                <p14:cNvContentPartPr/>
+                <p14:nvPr/>
+              </p14:nvContentPartPr>
+              <p14:xfrm>
+                <a:off x="2452997" y="411557"/>
+                <a:ext cx="832320" cy="768600"/>
+              </p14:xfrm>
+            </p:contentPart>
+          </mc:Choice>
+          <mc:Fallback>
+            <p:pic>
+              <p:nvPicPr>
+                <p:cNvPr id="3" name="墨迹 2">
+                  <a:extLst>
+                    <a:ext uri="{FF2B5EF4-FFF2-40B4-BE49-F238E27FC236}">
+                      <a16:creationId xmlns:a16="http://schemas.microsoft.com/office/drawing/2014/main" id="{7C15FCD0-8232-3FEA-BF70-0BF5EB9AD982}"/>
+                    </a:ext>
+                  </a:extLst>
+                </p:cNvPr>
+                <p:cNvPicPr/>
+                <p:nvPr/>
+              </p:nvPicPr>
+              <p:blipFill>
+                <a:blip r:embed="rId7"/>
+                <a:stretch>
+                  <a:fillRect/>
+                </a:stretch>
+              </p:blipFill>
+              <p:spPr>
+                <a:xfrm>
+                  <a:off x="2443997" y="402557"/>
+                  <a:ext cx="849960" cy="786240"/>
+                </a:xfrm>
+                <a:prstGeom prst="rect">
+                  <a:avLst/>
+                </a:prstGeom>
+              </p:spPr>
+            </p:pic>
+          </mc:Fallback>
+        </mc:AlternateContent>
+        <mc:AlternateContent xmlns:mc="http://schemas.openxmlformats.org/markup-compatibility/2006">
+          <mc:Choice xmlns:p14="http://schemas.microsoft.com/office/powerpoint/2010/main" Requires="p14">
+            <p:contentPart p14:bwMode="auto" r:id="rId8">
+              <p14:nvContentPartPr>
+                <p14:cNvPr id="4" name="墨迹 3">
+                  <a:extLst>
+                    <a:ext uri="{FF2B5EF4-FFF2-40B4-BE49-F238E27FC236}">
+                      <a16:creationId xmlns:a16="http://schemas.microsoft.com/office/drawing/2014/main" id="{693729D9-9664-E61B-7A42-14950EABCA96}"/>
+                    </a:ext>
+                  </a:extLst>
+                </p14:cNvPr>
+                <p14:cNvContentPartPr/>
+                <p14:nvPr/>
+              </p14:nvContentPartPr>
+              <p14:xfrm>
+                <a:off x="2271557" y="508037"/>
+                <a:ext cx="1103040" cy="734400"/>
+              </p14:xfrm>
+            </p:contentPart>
+          </mc:Choice>
+          <mc:Fallback>
+            <p:pic>
+              <p:nvPicPr>
+                <p:cNvPr id="4" name="墨迹 3">
+                  <a:extLst>
+                    <a:ext uri="{FF2B5EF4-FFF2-40B4-BE49-F238E27FC236}">
+                      <a16:creationId xmlns:a16="http://schemas.microsoft.com/office/drawing/2014/main" id="{693729D9-9664-E61B-7A42-14950EABCA96}"/>
+                    </a:ext>
+                  </a:extLst>
+                </p:cNvPr>
+                <p:cNvPicPr/>
+                <p:nvPr/>
+              </p:nvPicPr>
+              <p:blipFill>
+                <a:blip r:embed="rId9"/>
+                <a:stretch>
+                  <a:fillRect/>
+                </a:stretch>
+              </p:blipFill>
+              <p:spPr>
+                <a:xfrm>
+                  <a:off x="2262917" y="499037"/>
+                  <a:ext cx="1120680" cy="752040"/>
+                </a:xfrm>
+                <a:prstGeom prst="rect">
+                  <a:avLst/>
+                </a:prstGeom>
+              </p:spPr>
+            </p:pic>
+          </mc:Fallback>
+        </mc:AlternateContent>
+      </p:grpSp>
     </p:spTree>
   </p:cSld>
   <p:clrMapOvr>
@@ -5812,7 +6480,7 @@
           <p:nvPr/>
         </p:nvPicPr>
         <p:blipFill>
-          <a:blip r:embed="rId2" cstate="print"/>
+          <a:blip r:embed="rId3" cstate="print"/>
           <a:srcRect t="7217" r="71615" b="71132"/>
           <a:stretch>
             <a:fillRect/>
@@ -5844,7 +6512,7 @@
           <p:nvPr/>
         </p:nvPicPr>
         <p:blipFill>
-          <a:blip r:embed="rId2" cstate="print"/>
+          <a:blip r:embed="rId3" cstate="print"/>
           <a:srcRect l="28262" t="66547"/>
           <a:stretch>
             <a:fillRect/>
@@ -6318,6 +6986,57 @@
           </p:txBody>
         </p:sp>
       </p:grpSp>
+      <mc:AlternateContent xmlns:mc="http://schemas.openxmlformats.org/markup-compatibility/2006">
+        <mc:Choice xmlns:p14="http://schemas.microsoft.com/office/powerpoint/2010/main" Requires="p14">
+          <p:contentPart p14:bwMode="auto" r:id="rId4">
+            <p14:nvContentPartPr>
+              <p14:cNvPr id="3" name="墨迹 2">
+                <a:extLst>
+                  <a:ext uri="{FF2B5EF4-FFF2-40B4-BE49-F238E27FC236}">
+                    <a16:creationId xmlns:a16="http://schemas.microsoft.com/office/drawing/2014/main" id="{768BCF5B-0370-F5D5-45AB-BDD11CBD4990}"/>
+                  </a:ext>
+                </a:extLst>
+              </p14:cNvPr>
+              <p14:cNvContentPartPr/>
+              <p14:nvPr/>
+            </p14:nvContentPartPr>
+            <p14:xfrm>
+              <a:off x="7613597" y="150917"/>
+              <a:ext cx="968040" cy="1189800"/>
+            </p14:xfrm>
+          </p:contentPart>
+        </mc:Choice>
+        <mc:Fallback>
+          <p:pic>
+            <p:nvPicPr>
+              <p:cNvPr id="3" name="墨迹 2">
+                <a:extLst>
+                  <a:ext uri="{FF2B5EF4-FFF2-40B4-BE49-F238E27FC236}">
+                    <a16:creationId xmlns:a16="http://schemas.microsoft.com/office/drawing/2014/main" id="{768BCF5B-0370-F5D5-45AB-BDD11CBD4990}"/>
+                  </a:ext>
+                </a:extLst>
+              </p:cNvPr>
+              <p:cNvPicPr/>
+              <p:nvPr/>
+            </p:nvPicPr>
+            <p:blipFill>
+              <a:blip r:embed="rId5"/>
+              <a:stretch>
+                <a:fillRect/>
+              </a:stretch>
+            </p:blipFill>
+            <p:spPr>
+              <a:xfrm>
+                <a:off x="7604957" y="142277"/>
+                <a:ext cx="985680" cy="1207440"/>
+              </a:xfrm>
+              <a:prstGeom prst="rect">
+                <a:avLst/>
+              </a:prstGeom>
+            </p:spPr>
+          </p:pic>
+        </mc:Fallback>
+      </mc:AlternateContent>
     </p:spTree>
   </p:cSld>
   <p:clrMapOvr>
@@ -7942,6 +8661,57 @@
           </a:p>
         </p:txBody>
       </p:sp>
+      <mc:AlternateContent xmlns:mc="http://schemas.openxmlformats.org/markup-compatibility/2006">
+        <mc:Choice xmlns:p14="http://schemas.microsoft.com/office/powerpoint/2010/main" Requires="p14">
+          <p:contentPart p14:bwMode="auto" r:id="rId7">
+            <p14:nvContentPartPr>
+              <p14:cNvPr id="3" name="墨迹 2">
+                <a:extLst>
+                  <a:ext uri="{FF2B5EF4-FFF2-40B4-BE49-F238E27FC236}">
+                    <a16:creationId xmlns:a16="http://schemas.microsoft.com/office/drawing/2014/main" id="{01534923-D492-68F2-142A-FF68D102823C}"/>
+                  </a:ext>
+                </a:extLst>
+              </p14:cNvPr>
+              <p14:cNvContentPartPr/>
+              <p14:nvPr/>
+            </p14:nvContentPartPr>
+            <p14:xfrm>
+              <a:off x="242597" y="376997"/>
+              <a:ext cx="8847000" cy="2026440"/>
+            </p14:xfrm>
+          </p:contentPart>
+        </mc:Choice>
+        <mc:Fallback>
+          <p:pic>
+            <p:nvPicPr>
+              <p:cNvPr id="3" name="墨迹 2">
+                <a:extLst>
+                  <a:ext uri="{FF2B5EF4-FFF2-40B4-BE49-F238E27FC236}">
+                    <a16:creationId xmlns:a16="http://schemas.microsoft.com/office/drawing/2014/main" id="{01534923-D492-68F2-142A-FF68D102823C}"/>
+                  </a:ext>
+                </a:extLst>
+              </p:cNvPr>
+              <p:cNvPicPr/>
+              <p:nvPr/>
+            </p:nvPicPr>
+            <p:blipFill>
+              <a:blip r:embed="rId8"/>
+              <a:stretch>
+                <a:fillRect/>
+              </a:stretch>
+            </p:blipFill>
+            <p:spPr>
+              <a:xfrm>
+                <a:off x="233597" y="367997"/>
+                <a:ext cx="8864640" cy="2044080"/>
+              </a:xfrm>
+              <a:prstGeom prst="rect">
+                <a:avLst/>
+              </a:prstGeom>
+            </p:spPr>
+          </p:pic>
+        </mc:Fallback>
+      </mc:AlternateContent>
     </p:spTree>
   </p:cSld>
   <p:clrMapOvr>
